--- a/Later/Generics/1/Java Generics.pptx
+++ b/Later/Generics/1/Java Generics.pptx
@@ -5,10 +5,11 @@
     <p:sldMasterId id="2147483672" r:id="rId1"/>
   </p:sldMasterIdLst>
   <p:notesMasterIdLst>
-    <p:notesMasterId r:id="rId3"/>
+    <p:notesMasterId r:id="rId4"/>
   </p:notesMasterIdLst>
   <p:sldIdLst>
     <p:sldId id="430" r:id="rId2"/>
+    <p:sldId id="431" r:id="rId3"/>
   </p:sldIdLst>
   <p:sldSz cx="9144000" cy="5029200"/>
   <p:notesSz cx="6858000" cy="9144000"/>
@@ -192,7 +193,7 @@
           <a:p>
             <a:fld id="{62274EC6-3890-417B-9308-14EFBD00FA63}" type="datetimeFigureOut">
               <a:rPr lang="en-US" smtClean="0"/>
-              <a:t>2/3/2017</a:t>
+              <a:t>2/6/2017</a:t>
             </a:fld>
             <a:endParaRPr lang="en-US" dirty="0"/>
           </a:p>
@@ -549,6 +550,95 @@
 </p:notes>
 </file>
 
+<file path=ppt/notesSlides/notesSlide2.xml><?xml version="1.0" encoding="utf-8"?>
+<p:notes xmlns:a="http://schemas.openxmlformats.org/drawingml/2006/main" xmlns:r="http://schemas.openxmlformats.org/officeDocument/2006/relationships" xmlns:p="http://schemas.openxmlformats.org/presentationml/2006/main">
+  <p:cSld>
+    <p:spTree>
+      <p:nvGrpSpPr>
+        <p:cNvPr id="1" name=""/>
+        <p:cNvGrpSpPr/>
+        <p:nvPr/>
+      </p:nvGrpSpPr>
+      <p:grpSpPr>
+        <a:xfrm>
+          <a:off x="0" y="0"/>
+          <a:ext cx="0" cy="0"/>
+          <a:chOff x="0" y="0"/>
+          <a:chExt cx="0" cy="0"/>
+        </a:xfrm>
+      </p:grpSpPr>
+      <p:sp>
+        <p:nvSpPr>
+          <p:cNvPr id="2" name="Slide Image Placeholder 1"/>
+          <p:cNvSpPr>
+            <a:spLocks noGrp="1" noRot="1" noChangeAspect="1"/>
+          </p:cNvSpPr>
+          <p:nvPr>
+            <p:ph type="sldImg"/>
+          </p:nvPr>
+        </p:nvSpPr>
+        <p:spPr>
+          <a:xfrm>
+            <a:off x="312738" y="685800"/>
+            <a:ext cx="6232525" cy="3429000"/>
+          </a:xfrm>
+        </p:spPr>
+      </p:sp>
+      <p:sp>
+        <p:nvSpPr>
+          <p:cNvPr id="3" name="Notes Placeholder 2"/>
+          <p:cNvSpPr>
+            <a:spLocks noGrp="1"/>
+          </p:cNvSpPr>
+          <p:nvPr>
+            <p:ph type="body" idx="1"/>
+          </p:nvPr>
+        </p:nvSpPr>
+        <p:spPr/>
+        <p:txBody>
+          <a:bodyPr/>
+          <a:lstStyle/>
+          <a:p>
+            <a:endParaRPr lang="en-US" dirty="0"/>
+          </a:p>
+        </p:txBody>
+      </p:sp>
+      <p:sp>
+        <p:nvSpPr>
+          <p:cNvPr id="4" name="Slide Number Placeholder 3"/>
+          <p:cNvSpPr>
+            <a:spLocks noGrp="1"/>
+          </p:cNvSpPr>
+          <p:nvPr>
+            <p:ph type="sldNum" sz="quarter" idx="10"/>
+          </p:nvPr>
+        </p:nvSpPr>
+        <p:spPr/>
+        <p:txBody>
+          <a:bodyPr/>
+          <a:lstStyle/>
+          <a:p>
+            <a:fld id="{A883C400-BD9D-4609-A213-F91E9750031E}" type="slidenum">
+              <a:rPr lang="en-US" smtClean="0"/>
+              <a:t>2</a:t>
+            </a:fld>
+            <a:endParaRPr lang="en-US" dirty="0"/>
+          </a:p>
+        </p:txBody>
+      </p:sp>
+    </p:spTree>
+    <p:extLst>
+      <p:ext uri="{BB962C8B-B14F-4D97-AF65-F5344CB8AC3E}">
+        <p14:creationId xmlns:p14="http://schemas.microsoft.com/office/powerpoint/2010/main" val="4195558700"/>
+      </p:ext>
+    </p:extLst>
+  </p:cSld>
+  <p:clrMapOvr>
+    <a:masterClrMapping/>
+  </p:clrMapOvr>
+</p:notes>
+</file>
+
 <file path=ppt/slideLayouts/slideLayout1.xml><?xml version="1.0" encoding="utf-8"?>
 <p:sldLayout xmlns:a="http://schemas.openxmlformats.org/drawingml/2006/main" xmlns:r="http://schemas.openxmlformats.org/officeDocument/2006/relationships" xmlns:p="http://schemas.openxmlformats.org/presentationml/2006/main" type="title" preserve="1">
   <p:cSld name="Title Slide">
@@ -731,7 +821,7 @@
             <a:fld id="{1D8BD707-D9CF-40AE-B4C6-C98DA3205C09}" type="datetimeFigureOut">
               <a:rPr lang="en-US" smtClean="0"/>
               <a:pPr/>
-              <a:t>2/3/2017</a:t>
+              <a:t>2/6/2017</a:t>
             </a:fld>
             <a:endParaRPr lang="en-US" dirty="0"/>
           </a:p>
@@ -903,7 +993,7 @@
             <a:fld id="{1D8BD707-D9CF-40AE-B4C6-C98DA3205C09}" type="datetimeFigureOut">
               <a:rPr lang="en-US" smtClean="0"/>
               <a:pPr/>
-              <a:t>2/3/2017</a:t>
+              <a:t>2/6/2017</a:t>
             </a:fld>
             <a:endParaRPr lang="en-US" dirty="0"/>
           </a:p>
@@ -1085,7 +1175,7 @@
             <a:fld id="{1D8BD707-D9CF-40AE-B4C6-C98DA3205C09}" type="datetimeFigureOut">
               <a:rPr lang="en-US" smtClean="0"/>
               <a:pPr/>
-              <a:t>2/3/2017</a:t>
+              <a:t>2/6/2017</a:t>
             </a:fld>
             <a:endParaRPr lang="en-US" dirty="0"/>
           </a:p>
@@ -1257,7 +1347,7 @@
             <a:fld id="{1D8BD707-D9CF-40AE-B4C6-C98DA3205C09}" type="datetimeFigureOut">
               <a:rPr lang="en-US" smtClean="0"/>
               <a:pPr/>
-              <a:t>2/3/2017</a:t>
+              <a:t>2/6/2017</a:t>
             </a:fld>
             <a:endParaRPr lang="en-US" dirty="0"/>
           </a:p>
@@ -1505,7 +1595,7 @@
             <a:fld id="{1D8BD707-D9CF-40AE-B4C6-C98DA3205C09}" type="datetimeFigureOut">
               <a:rPr lang="en-US" smtClean="0"/>
               <a:pPr/>
-              <a:t>2/3/2017</a:t>
+              <a:t>2/6/2017</a:t>
             </a:fld>
             <a:endParaRPr lang="en-US" dirty="0"/>
           </a:p>
@@ -1795,7 +1885,7 @@
             <a:fld id="{1D8BD707-D9CF-40AE-B4C6-C98DA3205C09}" type="datetimeFigureOut">
               <a:rPr lang="en-US" smtClean="0"/>
               <a:pPr/>
-              <a:t>2/3/2017</a:t>
+              <a:t>2/6/2017</a:t>
             </a:fld>
             <a:endParaRPr lang="en-US" dirty="0"/>
           </a:p>
@@ -2224,7 +2314,7 @@
             <a:fld id="{1D8BD707-D9CF-40AE-B4C6-C98DA3205C09}" type="datetimeFigureOut">
               <a:rPr lang="en-US" smtClean="0"/>
               <a:pPr/>
-              <a:t>2/3/2017</a:t>
+              <a:t>2/6/2017</a:t>
             </a:fld>
             <a:endParaRPr lang="en-US" dirty="0"/>
           </a:p>
@@ -2344,7 +2434,7 @@
             <a:fld id="{1D8BD707-D9CF-40AE-B4C6-C98DA3205C09}" type="datetimeFigureOut">
               <a:rPr lang="en-US" smtClean="0"/>
               <a:pPr/>
-              <a:t>2/3/2017</a:t>
+              <a:t>2/6/2017</a:t>
             </a:fld>
             <a:endParaRPr lang="en-US" dirty="0"/>
           </a:p>
@@ -2441,7 +2531,7 @@
             <a:fld id="{1D8BD707-D9CF-40AE-B4C6-C98DA3205C09}" type="datetimeFigureOut">
               <a:rPr lang="en-US" smtClean="0"/>
               <a:pPr/>
-              <a:t>2/3/2017</a:t>
+              <a:t>2/6/2017</a:t>
             </a:fld>
             <a:endParaRPr lang="en-US" dirty="0"/>
           </a:p>
@@ -2720,7 +2810,7 @@
             <a:fld id="{1D8BD707-D9CF-40AE-B4C6-C98DA3205C09}" type="datetimeFigureOut">
               <a:rPr lang="en-US" smtClean="0"/>
               <a:pPr/>
-              <a:t>2/3/2017</a:t>
+              <a:t>2/6/2017</a:t>
             </a:fld>
             <a:endParaRPr lang="en-US" dirty="0"/>
           </a:p>
@@ -2975,7 +3065,7 @@
             <a:fld id="{1D8BD707-D9CF-40AE-B4C6-C98DA3205C09}" type="datetimeFigureOut">
               <a:rPr lang="en-US" smtClean="0"/>
               <a:pPr/>
-              <a:t>2/3/2017</a:t>
+              <a:t>2/6/2017</a:t>
             </a:fld>
             <a:endParaRPr lang="en-US" dirty="0"/>
           </a:p>
@@ -3190,7 +3280,7 @@
             <a:fld id="{1D8BD707-D9CF-40AE-B4C6-C98DA3205C09}" type="datetimeFigureOut">
               <a:rPr lang="en-US" smtClean="0"/>
               <a:pPr/>
-              <a:t>2/3/2017</a:t>
+              <a:t>2/6/2017</a:t>
             </a:fld>
             <a:endParaRPr lang="en-US" dirty="0"/>
           </a:p>
@@ -3726,10 +3816,1014 @@
           </a:p>
         </p:txBody>
       </p:sp>
+      <p:pic>
+        <p:nvPicPr>
+          <p:cNvPr id="1026" name="Picture 2"/>
+          <p:cNvPicPr>
+            <a:picLocks noChangeAspect="1" noChangeArrowheads="1"/>
+          </p:cNvPicPr>
+          <p:nvPr/>
+        </p:nvPicPr>
+        <p:blipFill>
+          <a:blip r:embed="rId3">
+            <a:extLst>
+              <a:ext uri="{28A0092B-C50C-407E-A947-70E740481C1C}">
+                <a14:useLocalDpi xmlns:a14="http://schemas.microsoft.com/office/drawing/2010/main" val="0"/>
+              </a:ext>
+            </a:extLst>
+          </a:blip>
+          <a:srcRect/>
+          <a:stretch>
+            <a:fillRect/>
+          </a:stretch>
+        </p:blipFill>
+        <p:spPr bwMode="auto">
+          <a:xfrm>
+            <a:off x="155575" y="2895213"/>
+            <a:ext cx="3730625" cy="2085975"/>
+          </a:xfrm>
+          <a:prstGeom prst="rect">
+            <a:avLst/>
+          </a:prstGeom>
+          <a:ln/>
+        </p:spPr>
+        <p:style>
+          <a:lnRef idx="1">
+            <a:schemeClr val="accent2"/>
+          </a:lnRef>
+          <a:fillRef idx="2">
+            <a:schemeClr val="accent2"/>
+          </a:fillRef>
+          <a:effectRef idx="1">
+            <a:schemeClr val="accent2"/>
+          </a:effectRef>
+          <a:fontRef idx="minor">
+            <a:schemeClr val="dk1"/>
+          </a:fontRef>
+        </p:style>
+      </p:pic>
+      <p:sp>
+        <p:nvSpPr>
+          <p:cNvPr id="5" name="Rounded Rectangular Callout 4"/>
+          <p:cNvSpPr/>
+          <p:nvPr/>
+        </p:nvSpPr>
+        <p:spPr>
+          <a:xfrm>
+            <a:off x="268286" y="792977"/>
+            <a:ext cx="3770313" cy="1597411"/>
+          </a:xfrm>
+          <a:prstGeom prst="wedgeRoundRectCallout">
+            <a:avLst>
+              <a:gd name="adj1" fmla="val -24317"/>
+              <a:gd name="adj2" fmla="val 80990"/>
+              <a:gd name="adj3" fmla="val 16667"/>
+            </a:avLst>
+          </a:prstGeom>
+          <a:ln w="3175"/>
+        </p:spPr>
+        <p:style>
+          <a:lnRef idx="2">
+            <a:schemeClr val="accent5"/>
+          </a:lnRef>
+          <a:fillRef idx="1">
+            <a:schemeClr val="lt1"/>
+          </a:fillRef>
+          <a:effectRef idx="0">
+            <a:schemeClr val="accent5"/>
+          </a:effectRef>
+          <a:fontRef idx="minor">
+            <a:schemeClr val="dk1"/>
+          </a:fontRef>
+        </p:style>
+        <p:txBody>
+          <a:bodyPr rtlCol="0" anchor="ctr"/>
+          <a:lstStyle/>
+          <a:p>
+            <a:pPr marL="285750" indent="-285750">
+              <a:buFont typeface="Wingdings" pitchFamily="2" charset="2"/>
+              <a:buChar char="ü"/>
+            </a:pPr>
+            <a:r>
+              <a:rPr lang="en-US" sz="1200" dirty="0"/>
+              <a:t>The </a:t>
+            </a:r>
+            <a:r>
+              <a:rPr lang="en-US" sz="1200" b="1" dirty="0"/>
+              <a:t>Java Generics</a:t>
+            </a:r>
+            <a:r>
+              <a:rPr lang="en-US" sz="1200" dirty="0"/>
+              <a:t> programming is introduced in J2SE 5 to deal with type-safe objects</a:t>
+            </a:r>
+            <a:r>
+              <a:rPr lang="en-US" sz="1200" dirty="0" smtClean="0"/>
+              <a:t>.</a:t>
+            </a:r>
+          </a:p>
+          <a:p>
+            <a:pPr marL="285750" indent="-285750">
+              <a:buFont typeface="Wingdings" pitchFamily="2" charset="2"/>
+              <a:buChar char="ü"/>
+            </a:pPr>
+            <a:endParaRPr lang="en-US" sz="1200" dirty="0" smtClean="0"/>
+          </a:p>
+          <a:p>
+            <a:pPr marL="285750" indent="-285750">
+              <a:buFont typeface="Wingdings" pitchFamily="2" charset="2"/>
+              <a:buChar char="ü"/>
+            </a:pPr>
+            <a:r>
+              <a:rPr lang="en-US" sz="1200" dirty="0"/>
+              <a:t>Before generics, we can store any type of objects in collection i.e. non-generic. </a:t>
+            </a:r>
+            <a:endParaRPr lang="en-US" sz="1200" dirty="0" smtClean="0"/>
+          </a:p>
+          <a:p>
+            <a:pPr marL="285750" indent="-285750">
+              <a:buFont typeface="Wingdings" pitchFamily="2" charset="2"/>
+              <a:buChar char="ü"/>
+            </a:pPr>
+            <a:endParaRPr lang="en-US" sz="1200" dirty="0" smtClean="0"/>
+          </a:p>
+          <a:p>
+            <a:pPr marL="285750" indent="-285750">
+              <a:buFont typeface="Wingdings" pitchFamily="2" charset="2"/>
+              <a:buChar char="ü"/>
+            </a:pPr>
+            <a:r>
+              <a:rPr lang="en-US" sz="1200" dirty="0"/>
+              <a:t>Before Generics, we need to type cast.</a:t>
+            </a:r>
+            <a:endParaRPr lang="en-US" sz="1200" dirty="0" smtClean="0"/>
+          </a:p>
+        </p:txBody>
+      </p:sp>
+      <p:pic>
+        <p:nvPicPr>
+          <p:cNvPr id="1027" name="Picture 3"/>
+          <p:cNvPicPr>
+            <a:picLocks noChangeAspect="1" noChangeArrowheads="1"/>
+          </p:cNvPicPr>
+          <p:nvPr/>
+        </p:nvPicPr>
+        <p:blipFill>
+          <a:blip r:embed="rId4">
+            <a:extLst>
+              <a:ext uri="{28A0092B-C50C-407E-A947-70E740481C1C}">
+                <a14:useLocalDpi xmlns:a14="http://schemas.microsoft.com/office/drawing/2010/main" val="0"/>
+              </a:ext>
+            </a:extLst>
+          </a:blip>
+          <a:srcRect/>
+          <a:stretch>
+            <a:fillRect/>
+          </a:stretch>
+        </p:blipFill>
+        <p:spPr bwMode="auto">
+          <a:xfrm>
+            <a:off x="5029200" y="3209538"/>
+            <a:ext cx="3733800" cy="1771650"/>
+          </a:xfrm>
+          <a:prstGeom prst="rect">
+            <a:avLst/>
+          </a:prstGeom>
+          <a:ln/>
+        </p:spPr>
+        <p:style>
+          <a:lnRef idx="1">
+            <a:schemeClr val="accent5"/>
+          </a:lnRef>
+          <a:fillRef idx="2">
+            <a:schemeClr val="accent5"/>
+          </a:fillRef>
+          <a:effectRef idx="1">
+            <a:schemeClr val="accent5"/>
+          </a:effectRef>
+          <a:fontRef idx="minor">
+            <a:schemeClr val="dk1"/>
+          </a:fontRef>
+        </p:style>
+      </p:pic>
+      <p:sp>
+        <p:nvSpPr>
+          <p:cNvPr id="9" name="Rounded Rectangular Callout 8"/>
+          <p:cNvSpPr/>
+          <p:nvPr/>
+        </p:nvSpPr>
+        <p:spPr>
+          <a:xfrm>
+            <a:off x="4495800" y="465139"/>
+            <a:ext cx="4572000" cy="2468562"/>
+          </a:xfrm>
+          <a:prstGeom prst="wedgeRoundRectCallout">
+            <a:avLst>
+              <a:gd name="adj1" fmla="val -6482"/>
+              <a:gd name="adj2" fmla="val 61523"/>
+              <a:gd name="adj3" fmla="val 16667"/>
+            </a:avLst>
+          </a:prstGeom>
+          <a:ln w="3175"/>
+        </p:spPr>
+        <p:style>
+          <a:lnRef idx="2">
+            <a:schemeClr val="accent5"/>
+          </a:lnRef>
+          <a:fillRef idx="1">
+            <a:schemeClr val="lt1"/>
+          </a:fillRef>
+          <a:effectRef idx="0">
+            <a:schemeClr val="accent5"/>
+          </a:effectRef>
+          <a:fontRef idx="minor">
+            <a:schemeClr val="dk1"/>
+          </a:fontRef>
+        </p:style>
+        <p:txBody>
+          <a:bodyPr rtlCol="0" anchor="ctr"/>
+          <a:lstStyle/>
+          <a:p>
+            <a:pPr marL="285750" indent="-285750">
+              <a:buFont typeface="Wingdings" pitchFamily="2" charset="2"/>
+              <a:buChar char="ü"/>
+            </a:pPr>
+            <a:r>
+              <a:rPr lang="en-US" sz="1200" dirty="0"/>
+              <a:t>Now generics, forces the java programmer to store specific type of objects</a:t>
+            </a:r>
+            <a:r>
+              <a:rPr lang="en-US" sz="1200" dirty="0" smtClean="0"/>
+              <a:t>.</a:t>
+            </a:r>
+          </a:p>
+          <a:p>
+            <a:pPr marL="285750" indent="-285750">
+              <a:buFont typeface="Wingdings" pitchFamily="2" charset="2"/>
+              <a:buChar char="ü"/>
+            </a:pPr>
+            <a:endParaRPr lang="en-US" sz="1200" dirty="0"/>
+          </a:p>
+          <a:p>
+            <a:pPr marL="285750" indent="-285750">
+              <a:buFont typeface="Wingdings" pitchFamily="2" charset="2"/>
+              <a:buChar char="ü"/>
+            </a:pPr>
+            <a:r>
+              <a:rPr lang="en-US" sz="1200" b="1" dirty="0"/>
+              <a:t>Type-safety :</a:t>
+            </a:r>
+            <a:r>
+              <a:rPr lang="en-US" sz="1200" dirty="0"/>
+              <a:t> We can hold only a single type of objects in generics. It doesn’t allow to store other objects</a:t>
+            </a:r>
+            <a:r>
+              <a:rPr lang="en-US" sz="1200" dirty="0" smtClean="0"/>
+              <a:t>.</a:t>
+            </a:r>
+          </a:p>
+          <a:p>
+            <a:pPr marL="285750" indent="-285750">
+              <a:buFont typeface="Wingdings" pitchFamily="2" charset="2"/>
+              <a:buChar char="ü"/>
+            </a:pPr>
+            <a:endParaRPr lang="en-US" sz="1200" dirty="0" smtClean="0"/>
+          </a:p>
+          <a:p>
+            <a:pPr marL="285750" indent="-285750">
+              <a:buFont typeface="Wingdings" pitchFamily="2" charset="2"/>
+              <a:buChar char="ü"/>
+            </a:pPr>
+            <a:r>
+              <a:rPr lang="en-US" sz="1200" b="1" dirty="0"/>
+              <a:t>Type casting is not required:</a:t>
+            </a:r>
+            <a:r>
+              <a:rPr lang="en-US" sz="1200" dirty="0"/>
+              <a:t> There is no need to typecast the object</a:t>
+            </a:r>
+            <a:r>
+              <a:rPr lang="en-US" sz="1200" dirty="0" smtClean="0"/>
+              <a:t>.</a:t>
+            </a:r>
+          </a:p>
+          <a:p>
+            <a:pPr marL="285750" indent="-285750">
+              <a:buFont typeface="Wingdings" pitchFamily="2" charset="2"/>
+              <a:buChar char="ü"/>
+            </a:pPr>
+            <a:endParaRPr lang="en-US" sz="1200" dirty="0"/>
+          </a:p>
+          <a:p>
+            <a:pPr marL="285750" indent="-285750">
+              <a:buFont typeface="Wingdings" pitchFamily="2" charset="2"/>
+              <a:buChar char="ü"/>
+            </a:pPr>
+            <a:r>
+              <a:rPr lang="en-US" sz="1200" b="1" dirty="0"/>
+              <a:t>Compile-Time Checking:</a:t>
+            </a:r>
+            <a:r>
+              <a:rPr lang="en-US" sz="1200" dirty="0"/>
+              <a:t> It is checked at compile time so problem will not occur at runtime. The good programming strategy says it is far better to handle the problem at compile time than runtime.</a:t>
+            </a:r>
+            <a:endParaRPr lang="en-US" sz="1200" dirty="0"/>
+          </a:p>
+        </p:txBody>
+      </p:sp>
+      <p:sp>
+        <p:nvSpPr>
+          <p:cNvPr id="6" name="Rounded Rectangular Callout 5"/>
+          <p:cNvSpPr/>
+          <p:nvPr/>
+        </p:nvSpPr>
+        <p:spPr>
+          <a:xfrm>
+            <a:off x="2819400" y="3774940"/>
+            <a:ext cx="914400" cy="179261"/>
+          </a:xfrm>
+          <a:prstGeom prst="wedgeRoundRectCallout">
+            <a:avLst>
+              <a:gd name="adj1" fmla="val -104167"/>
+              <a:gd name="adj2" fmla="val 147516"/>
+              <a:gd name="adj3" fmla="val 16667"/>
+            </a:avLst>
+          </a:prstGeom>
+        </p:spPr>
+        <p:style>
+          <a:lnRef idx="1">
+            <a:schemeClr val="accent2"/>
+          </a:lnRef>
+          <a:fillRef idx="3">
+            <a:schemeClr val="accent2"/>
+          </a:fillRef>
+          <a:effectRef idx="2">
+            <a:schemeClr val="accent2"/>
+          </a:effectRef>
+          <a:fontRef idx="minor">
+            <a:schemeClr val="lt1"/>
+          </a:fontRef>
+        </p:style>
+        <p:txBody>
+          <a:bodyPr rtlCol="0" anchor="ctr"/>
+          <a:lstStyle/>
+          <a:p>
+            <a:pPr algn="ctr"/>
+            <a:r>
+              <a:rPr lang="en-US" sz="1100" dirty="0" smtClean="0"/>
+              <a:t>Type casting</a:t>
+            </a:r>
+            <a:endParaRPr lang="en-US" sz="1100" dirty="0"/>
+          </a:p>
+        </p:txBody>
+      </p:sp>
     </p:spTree>
     <p:extLst>
       <p:ext uri="{BB962C8B-B14F-4D97-AF65-F5344CB8AC3E}">
         <p14:creationId xmlns:p14="http://schemas.microsoft.com/office/powerpoint/2010/main" val="869949048"/>
+      </p:ext>
+    </p:extLst>
+  </p:cSld>
+  <p:clrMapOvr>
+    <a:masterClrMapping/>
+  </p:clrMapOvr>
+  <mc:AlternateContent xmlns:mc="http://schemas.openxmlformats.org/markup-compatibility/2006" xmlns:p14="http://schemas.microsoft.com/office/powerpoint/2010/main">
+    <mc:Choice Requires="p14">
+      <p:transition spd="slow" p14:dur="2000"/>
+    </mc:Choice>
+    <mc:Fallback xmlns="">
+      <p:transition spd="slow"/>
+    </mc:Fallback>
+  </mc:AlternateContent>
+  <p:timing>
+    <p:tnLst>
+      <p:par>
+        <p:cTn id="1" dur="indefinite" restart="never" nodeType="tmRoot"/>
+      </p:par>
+    </p:tnLst>
+  </p:timing>
+</p:sld>
+</file>
+
+<file path=ppt/slides/slide2.xml><?xml version="1.0" encoding="utf-8"?>
+<p:sld xmlns:a="http://schemas.openxmlformats.org/drawingml/2006/main" xmlns:r="http://schemas.openxmlformats.org/officeDocument/2006/relationships" xmlns:p="http://schemas.openxmlformats.org/presentationml/2006/main">
+  <p:cSld>
+    <p:spTree>
+      <p:nvGrpSpPr>
+        <p:cNvPr id="1" name=""/>
+        <p:cNvGrpSpPr/>
+        <p:nvPr/>
+      </p:nvGrpSpPr>
+      <p:grpSpPr>
+        <a:xfrm>
+          <a:off x="0" y="0"/>
+          <a:ext cx="0" cy="0"/>
+          <a:chOff x="0" y="0"/>
+          <a:chExt cx="0" cy="0"/>
+        </a:xfrm>
+      </p:grpSpPr>
+      <p:sp>
+        <p:nvSpPr>
+          <p:cNvPr id="22" name="Rounded Rectangle 21"/>
+          <p:cNvSpPr/>
+          <p:nvPr/>
+        </p:nvSpPr>
+        <p:spPr>
+          <a:xfrm>
+            <a:off x="1447800" y="3657600"/>
+            <a:ext cx="6473825" cy="762000"/>
+          </a:xfrm>
+          <a:prstGeom prst="roundRect">
+            <a:avLst/>
+          </a:prstGeom>
+          <a:ln w="3175"/>
+        </p:spPr>
+        <p:style>
+          <a:lnRef idx="2">
+            <a:schemeClr val="accent4"/>
+          </a:lnRef>
+          <a:fillRef idx="1">
+            <a:schemeClr val="lt1"/>
+          </a:fillRef>
+          <a:effectRef idx="0">
+            <a:schemeClr val="accent4"/>
+          </a:effectRef>
+          <a:fontRef idx="minor">
+            <a:schemeClr val="dk1"/>
+          </a:fontRef>
+        </p:style>
+        <p:txBody>
+          <a:bodyPr rtlCol="0" anchor="ctr"/>
+          <a:lstStyle/>
+          <a:p>
+            <a:pPr algn="ctr"/>
+            <a:endParaRPr lang="en-US"/>
+          </a:p>
+        </p:txBody>
+      </p:sp>
+      <p:sp>
+        <p:nvSpPr>
+          <p:cNvPr id="19" name="Rounded Rectangle 18"/>
+          <p:cNvSpPr/>
+          <p:nvPr/>
+        </p:nvSpPr>
+        <p:spPr>
+          <a:xfrm>
+            <a:off x="1447800" y="1362075"/>
+            <a:ext cx="6473825" cy="762000"/>
+          </a:xfrm>
+          <a:prstGeom prst="roundRect">
+            <a:avLst/>
+          </a:prstGeom>
+          <a:ln w="3175"/>
+        </p:spPr>
+        <p:style>
+          <a:lnRef idx="2">
+            <a:schemeClr val="accent4"/>
+          </a:lnRef>
+          <a:fillRef idx="1">
+            <a:schemeClr val="lt1"/>
+          </a:fillRef>
+          <a:effectRef idx="0">
+            <a:schemeClr val="accent4"/>
+          </a:effectRef>
+          <a:fontRef idx="minor">
+            <a:schemeClr val="dk1"/>
+          </a:fontRef>
+        </p:style>
+        <p:txBody>
+          <a:bodyPr rtlCol="0" anchor="ctr"/>
+          <a:lstStyle/>
+          <a:p>
+            <a:pPr algn="ctr"/>
+            <a:r>
+              <a:rPr lang="en-US" dirty="0" smtClean="0"/>
+              <a:t>  </a:t>
+            </a:r>
+            <a:endParaRPr lang="en-US" dirty="0"/>
+          </a:p>
+        </p:txBody>
+      </p:sp>
+      <p:sp>
+        <p:nvSpPr>
+          <p:cNvPr id="3" name="AutoShape 2" descr="data:image/png;base64,iVBORw0KGgoAAAANSUhEUgAAANEAAADxCAMAAABiSKLrAAAAbFBMVEWIiIj////6+vr29vb19fX4+Pj5+fnu7u77+/v39/f9/f3z8/P+/v709PT8/Pyqqqrt7e3v7+/w8PDx8fHy8vK+vr7Q0NCjo6OBgYHY2Njk5OTHx8eNjY3c3NzGxsbn5+eWlpa1tbWcnJx6enob4+f+AAAIqklEQVR4nO3dCZuaOhQGYEZAh0FkX2W1//8/lkVMICeIkRmOPHz22lYg5OVEZLFzJRNrnC+xSGt3nJvQekMUYktnEiM1ouDrjCs/pukLkzoRtpjmNRcloRUFoiS8oo5UvLwsYpEgCaXoHLYiMRJqkRAJt0iEhFwkQMIqCgJRElpRLErCL3r1oxavSJSEWCRIQikyOtGQNPd8CaXICc04FiXhFomQkIsESChFbmhmwiT0opf3eBivMzSjLuORnh49oKxRKxIloayR24oESShFRScSI6EUJaGZCJNwiwhp/skFcpFAlbCLXiehF71MQisSJiEVVYkwqRP9oEpXI1HSXXRuWjo/2jz3f3v8YfjS7871lbU1EiT1IjrAKrvX/2iurzisijkk8OQC5ah7iERIyEUCJOyi10noRU9J490DUpFPRAApniJhFVnzSaOdOF6RKAmlKGhFgiTMohdIyYeIhEh30aV99E9NLo8VXLqn++Q/mIuIREid6DJsv32s91Ityi1hEtJRl5+ESX2NMKUR2ZYoCbNIjIRV5FiiJIyicx7mriVEKnCKfvxadBIloRQ1NTqJkcICpcgPr7rjOPYJZnFNbZVwikw/YHNlXmDi4xW9kU70jSnNqOu/xL4R0aWg3yNMgNHWp0I66i7Dy5PsdXFuApw1Eg8RndfuykLZa4Q/512EPrsIfzYtOmwje43wh4h+1u7KQvm5bk601wh9NlijXYQ+uwh/HqLrZkTXh+h4PDQP8lQ/PvAlSrT2xl0oRHQ5biOXXYQ+uwh/dhH+7CL82bRI3Ua2XKPvtTfuQvneReizi/BnF+HPLsKfTYu0bYQWsd5PfImIDmtv3IVy2EXos4vwZxfhzy7CH0okbyO7CH+2/D46rr1xF8pxF6HPLsKfXYQ/uwh/KJGyjWxatPZwWShEpK69cReKuovQZxfhzy7Cn12EP0SkGduItmHRzFF3P3r63ZHzTl4YdYqsHg/e/YdF2e7xcFRVrba109gMFp2evGhmjzpFVZLcvJVpl7K8hWaVB1liNVNdJh7VZ4Wd7P4aaa5I866lFEnDRHWksC5eVgtH8VWy8PHGTE5V/rr+QqSocTnm9CpTM+SMmRhVVJcPKbPYv5VFcs7x1F3P1eeikl1sXZHGB0lRLH+eSI75ICk6KZ8nctkOkaQN+cNEWjBRIimU0YpkHY4hmxOgqNIMHRaRJo6giLO+dyM/F1nsvpfqWVAv92Eihe0u3bNE+TgR/FkURfWhUHPMIBsguh6N0yKNs7o/EGkVIEpj+XA8fltJ0GzqDxMdQwBka+2gqQ/p9FYkpaNIiEXuje3OddQfg738rFCTcYmME9sdKXntbY1MBOy802JrotJ6bSUiInLia7y2+aZEbXuyxXbn5vXXGQazDs+6xUWGoql2kXU/DDrOssLWNFmZ65oQufeflwvU6PHDdO8ki/0xu/Rb7RVRvZNJgupW7y3bU+T6JLnej97MPLNUhbPIbJEV9U2y/eknHds5lfhfNMo/sb23oRX5LQXWGUmpGdtz3nxEpOiep7eP+5MFUEZJj+0SCnsCVX/CkrZUQFRvQG+8RkNOzHTi5LL0rW6x8YL0bwolGtdolqir0fQxAyQCNrdsVczFmdFS6fXp+4kSecPMEqntrAYkkklTYI288frkYKI+j+XCYtzRUdCIdMV/7mkWTDNmY6AU6bo5C9QknqwSEpFuzAdJUjZFQiJSoFMWfhIDu0ievDjD5ubquEV6AjVet3krU3B/Hvn8cYdDBJxUSlKVaJqmWvENMiXcImEQKcCYi26W1nZaN9SAXXFkcos0JZpxXLeICDpLDnVSBDkDusAtEhGN72p5J78LcMbn9+nudemgiDSlASLF66cC20NKbZ3qCnAnIfKp9gcxiIjVPj8/8mbVCBY9VsNes42C4YgBrgyUJ06NpkRdCuD8yB418pYIOkl2hyuQ2SOkKOMMO4M76vrBB4sG84Cjjrr5Cooeo4TdLwyGbLsC4IKgD93dHY66lUQye7gQxfqgfdcDhr7JeSOtLoL2dOn4KEdX2E+s0hp24j3RaUERsPnLLBmlYPceaYJVBB0Bja85p8ANn3rXgFX02kEqaSGAeywoGs7zjghYdqYoxyp68USCtMDZfX+wqHomav53fkBcWDSYx4NEBpkuAyLj3oSwSDIVsMM6ETVAp/3V/KG2tP/xRPRccI1IW7Comyr8PupE9052bbW/0yLHpX/1T1wRmQuskULa4oqcd/Z1pjLu6li0zqgDP49m5fmo+2NR3z50zFBYczLsBB6Rxx6y8Q5wRoE7LCaylhM5BnTs7cGdmZP1RZzdygeLXOjW9fg94jYXUnjjbBHRcJ5nImVKBA67fFgkL/HzIE4KRW7vM0/i/kQ0WSPHg75KldHdqc+h7pfZ0jKs/GuDM3hvNSLizSEqoroE1Yia7ELf00kIWS/o09z+EmLA6bC3hMh9TwRskDq51x47e4Zzhc73Qt64wyByPOjmUVT6cZZkcQV+0zxNflX05qgD36tSe3MilcCr1FLEe9sPRDYYjmgwD1wjMl1hm4h0ugF43PETVd6wB3RbKES2Pu+2cr9waHFBWESO+8JtyxrkckFYRDa8dxAAoRHNH3hRNTHkUIlsY9Z3TqR6LzcFokScSsKi4TzPRMYske0VT78XJJkJZ8uTzojV6FdEtmNkE9/diqLUzJTpAtmzalQyF6FvI5ETA9+OpraQwTYhwRvQMYqryX6sNn8vq8AynnqoGuXuCY7N/vMR3R7N47DzePR04J+gjJt4rM7V3SzwzbC8FzYtb2Z1jQtDd3nLDOLmD1E9v90++qfT4Lfh5N+cq/508shXb5st6Ll1cWa2RYu2EUo0p6QfkF2EP7sIf3YR/hCRs3ZXFoqzYdEGR92su1D4Q486yzq1D/L0iS85W67R2l1ZKLsIfzYs4l05+bg8rpxU/lZS3UXbyvZE/wFXu+LXNTDaDQAAAABJRU5ErkJggg=="/>
+          <p:cNvSpPr>
+            <a:spLocks noChangeAspect="1" noChangeArrowheads="1"/>
+          </p:cNvSpPr>
+          <p:nvPr/>
+        </p:nvSpPr>
+        <p:spPr bwMode="auto">
+          <a:xfrm>
+            <a:off x="155575" y="-144463"/>
+            <a:ext cx="304800" cy="304801"/>
+          </a:xfrm>
+          <a:prstGeom prst="rect">
+            <a:avLst/>
+          </a:prstGeom>
+          <a:noFill/>
+          <a:extLst>
+            <a:ext uri="{909E8E84-426E-40DD-AFC4-6F175D3DCCD1}">
+              <a14:hiddenFill xmlns:a14="http://schemas.microsoft.com/office/drawing/2010/main">
+                <a:solidFill>
+                  <a:srgbClr val="FFFFFF"/>
+                </a:solidFill>
+              </a14:hiddenFill>
+            </a:ext>
+          </a:extLst>
+        </p:spPr>
+        <p:txBody>
+          <a:bodyPr vert="horz" wrap="square" lIns="91440" tIns="45720" rIns="91440" bIns="45720" numCol="1" anchor="t" anchorCtr="0" compatLnSpc="1">
+            <a:prstTxWarp prst="textNoShape">
+              <a:avLst/>
+            </a:prstTxWarp>
+          </a:bodyPr>
+          <a:lstStyle/>
+          <a:p>
+            <a:endParaRPr lang="en-US" sz="1200" dirty="0"/>
+          </a:p>
+        </p:txBody>
+      </p:sp>
+      <p:sp>
+        <p:nvSpPr>
+          <p:cNvPr id="17" name="Rectangle 16"/>
+          <p:cNvSpPr/>
+          <p:nvPr/>
+        </p:nvSpPr>
+        <p:spPr>
+          <a:xfrm>
+            <a:off x="3810000" y="38527"/>
+            <a:ext cx="1371600" cy="276999"/>
+          </a:xfrm>
+          <a:prstGeom prst="rect">
+            <a:avLst/>
+          </a:prstGeom>
+        </p:spPr>
+        <p:style>
+          <a:lnRef idx="1">
+            <a:schemeClr val="accent4"/>
+          </a:lnRef>
+          <a:fillRef idx="3">
+            <a:schemeClr val="accent4"/>
+          </a:fillRef>
+          <a:effectRef idx="2">
+            <a:schemeClr val="accent4"/>
+          </a:effectRef>
+          <a:fontRef idx="minor">
+            <a:schemeClr val="lt1"/>
+          </a:fontRef>
+        </p:style>
+        <p:txBody>
+          <a:bodyPr wrap="square">
+            <a:spAutoFit/>
+          </a:bodyPr>
+          <a:lstStyle/>
+          <a:p>
+            <a:pPr algn="ctr"/>
+            <a:r>
+              <a:rPr lang="en-US" sz="1200" dirty="0"/>
+              <a:t>Generics in Java</a:t>
+            </a:r>
+          </a:p>
+        </p:txBody>
+      </p:sp>
+      <p:sp>
+        <p:nvSpPr>
+          <p:cNvPr id="2" name="AutoShape 2" descr="Image result for file"/>
+          <p:cNvSpPr>
+            <a:spLocks noChangeAspect="1" noChangeArrowheads="1"/>
+          </p:cNvSpPr>
+          <p:nvPr/>
+        </p:nvSpPr>
+        <p:spPr bwMode="auto">
+          <a:xfrm>
+            <a:off x="307975" y="7937"/>
+            <a:ext cx="304800" cy="304801"/>
+          </a:xfrm>
+          <a:prstGeom prst="rect">
+            <a:avLst/>
+          </a:prstGeom>
+          <a:noFill/>
+          <a:extLst>
+            <a:ext uri="{909E8E84-426E-40DD-AFC4-6F175D3DCCD1}">
+              <a14:hiddenFill xmlns:a14="http://schemas.microsoft.com/office/drawing/2010/main">
+                <a:solidFill>
+                  <a:srgbClr val="FFFFFF"/>
+                </a:solidFill>
+              </a14:hiddenFill>
+            </a:ext>
+          </a:extLst>
+        </p:spPr>
+        <p:txBody>
+          <a:bodyPr vert="horz" wrap="square" lIns="91440" tIns="45720" rIns="91440" bIns="45720" numCol="1" anchor="t" anchorCtr="0" compatLnSpc="1">
+            <a:prstTxWarp prst="textNoShape">
+              <a:avLst/>
+            </a:prstTxWarp>
+          </a:bodyPr>
+          <a:lstStyle/>
+          <a:p>
+            <a:endParaRPr lang="en-US" dirty="0"/>
+          </a:p>
+        </p:txBody>
+      </p:sp>
+      <p:sp>
+        <p:nvSpPr>
+          <p:cNvPr id="4" name="AutoShape 4" descr="Image result for file"/>
+          <p:cNvSpPr>
+            <a:spLocks noChangeAspect="1" noChangeArrowheads="1"/>
+          </p:cNvSpPr>
+          <p:nvPr/>
+        </p:nvSpPr>
+        <p:spPr bwMode="auto">
+          <a:xfrm>
+            <a:off x="460375" y="160337"/>
+            <a:ext cx="304800" cy="304801"/>
+          </a:xfrm>
+          <a:prstGeom prst="rect">
+            <a:avLst/>
+          </a:prstGeom>
+          <a:noFill/>
+          <a:extLst>
+            <a:ext uri="{909E8E84-426E-40DD-AFC4-6F175D3DCCD1}">
+              <a14:hiddenFill xmlns:a14="http://schemas.microsoft.com/office/drawing/2010/main">
+                <a:solidFill>
+                  <a:srgbClr val="FFFFFF"/>
+                </a:solidFill>
+              </a14:hiddenFill>
+            </a:ext>
+          </a:extLst>
+        </p:spPr>
+        <p:txBody>
+          <a:bodyPr vert="horz" wrap="square" lIns="91440" tIns="45720" rIns="91440" bIns="45720" numCol="1" anchor="t" anchorCtr="0" compatLnSpc="1">
+            <a:prstTxWarp prst="textNoShape">
+              <a:avLst/>
+            </a:prstTxWarp>
+          </a:bodyPr>
+          <a:lstStyle/>
+          <a:p>
+            <a:endParaRPr lang="en-US" dirty="0"/>
+          </a:p>
+        </p:txBody>
+      </p:sp>
+      <p:sp>
+        <p:nvSpPr>
+          <p:cNvPr id="7" name="Flowchart: Terminator 6"/>
+          <p:cNvSpPr/>
+          <p:nvPr/>
+        </p:nvSpPr>
+        <p:spPr>
+          <a:xfrm>
+            <a:off x="1584476" y="1504950"/>
+            <a:ext cx="2590800" cy="457200"/>
+          </a:xfrm>
+          <a:prstGeom prst="flowChartTerminator">
+            <a:avLst/>
+          </a:prstGeom>
+        </p:spPr>
+        <p:style>
+          <a:lnRef idx="3">
+            <a:schemeClr val="lt1"/>
+          </a:lnRef>
+          <a:fillRef idx="1">
+            <a:schemeClr val="accent2"/>
+          </a:fillRef>
+          <a:effectRef idx="1">
+            <a:schemeClr val="accent2"/>
+          </a:effectRef>
+          <a:fontRef idx="minor">
+            <a:schemeClr val="lt1"/>
+          </a:fontRef>
+        </p:style>
+        <p:txBody>
+          <a:bodyPr rtlCol="0" anchor="ctr"/>
+          <a:lstStyle/>
+          <a:p>
+            <a:pPr algn="ctr"/>
+            <a:endParaRPr lang="en-US" sz="1200" dirty="0" smtClean="0"/>
+          </a:p>
+          <a:p>
+            <a:pPr algn="ctr"/>
+            <a:r>
+              <a:rPr lang="en-US" sz="1200" dirty="0" smtClean="0"/>
+              <a:t>Class&lt;Type</a:t>
+            </a:r>
+            <a:r>
+              <a:rPr lang="en-US" sz="1200" dirty="0"/>
+              <a:t>&gt;  </a:t>
+            </a:r>
+          </a:p>
+          <a:p>
+            <a:pPr algn="ctr"/>
+            <a:endParaRPr lang="en-US" sz="1200" dirty="0"/>
+          </a:p>
+        </p:txBody>
+      </p:sp>
+      <p:sp>
+        <p:nvSpPr>
+          <p:cNvPr id="12" name="Flowchart: Terminator 11"/>
+          <p:cNvSpPr/>
+          <p:nvPr/>
+        </p:nvSpPr>
+        <p:spPr>
+          <a:xfrm>
+            <a:off x="4873625" y="1504950"/>
+            <a:ext cx="2590800" cy="457200"/>
+          </a:xfrm>
+          <a:prstGeom prst="flowChartTerminator">
+            <a:avLst/>
+          </a:prstGeom>
+        </p:spPr>
+        <p:style>
+          <a:lnRef idx="3">
+            <a:schemeClr val="lt1"/>
+          </a:lnRef>
+          <a:fillRef idx="1">
+            <a:schemeClr val="accent5"/>
+          </a:fillRef>
+          <a:effectRef idx="1">
+            <a:schemeClr val="accent5"/>
+          </a:effectRef>
+          <a:fontRef idx="minor">
+            <a:schemeClr val="lt1"/>
+          </a:fontRef>
+        </p:style>
+        <p:txBody>
+          <a:bodyPr rtlCol="0" anchor="ctr"/>
+          <a:lstStyle/>
+          <a:p>
+            <a:pPr algn="ctr"/>
+            <a:endParaRPr lang="en-US" sz="1200" dirty="0" smtClean="0"/>
+          </a:p>
+          <a:p>
+            <a:pPr algn="ctr"/>
+            <a:r>
+              <a:rPr lang="en-US" sz="1200" dirty="0" smtClean="0"/>
+              <a:t>Interface&lt;Type</a:t>
+            </a:r>
+            <a:r>
+              <a:rPr lang="en-US" sz="1200" dirty="0"/>
+              <a:t>&gt;  </a:t>
+            </a:r>
+          </a:p>
+          <a:p>
+            <a:pPr algn="ctr"/>
+            <a:endParaRPr lang="en-US" sz="1200" dirty="0"/>
+          </a:p>
+        </p:txBody>
+      </p:sp>
+      <p:sp>
+        <p:nvSpPr>
+          <p:cNvPr id="13" name="Flowchart: Terminator 12"/>
+          <p:cNvSpPr/>
+          <p:nvPr/>
+        </p:nvSpPr>
+        <p:spPr>
+          <a:xfrm>
+            <a:off x="1655764" y="3886200"/>
+            <a:ext cx="2590800" cy="457200"/>
+          </a:xfrm>
+          <a:prstGeom prst="flowChartTerminator">
+            <a:avLst/>
+          </a:prstGeom>
+        </p:spPr>
+        <p:style>
+          <a:lnRef idx="3">
+            <a:schemeClr val="lt1"/>
+          </a:lnRef>
+          <a:fillRef idx="1">
+            <a:schemeClr val="accent2"/>
+          </a:fillRef>
+          <a:effectRef idx="1">
+            <a:schemeClr val="accent2"/>
+          </a:effectRef>
+          <a:fontRef idx="minor">
+            <a:schemeClr val="lt1"/>
+          </a:fontRef>
+        </p:style>
+        <p:txBody>
+          <a:bodyPr rtlCol="0" anchor="ctr"/>
+          <a:lstStyle/>
+          <a:p>
+            <a:pPr algn="ctr"/>
+            <a:endParaRPr lang="en-US" sz="1200" dirty="0" smtClean="0"/>
+          </a:p>
+          <a:p>
+            <a:pPr algn="ctr"/>
+            <a:r>
+              <a:rPr lang="en-US" sz="1200" dirty="0" smtClean="0"/>
+              <a:t>ArrayList&lt;String&gt;</a:t>
+            </a:r>
+            <a:r>
+              <a:rPr lang="en-US" sz="1200" dirty="0"/>
+              <a:t>  </a:t>
+            </a:r>
+          </a:p>
+          <a:p>
+            <a:pPr algn="ctr"/>
+            <a:endParaRPr lang="en-US" sz="1200" dirty="0"/>
+          </a:p>
+        </p:txBody>
+      </p:sp>
+      <p:sp>
+        <p:nvSpPr>
+          <p:cNvPr id="18" name="Flowchart: Terminator 17"/>
+          <p:cNvSpPr/>
+          <p:nvPr/>
+        </p:nvSpPr>
+        <p:spPr>
+          <a:xfrm>
+            <a:off x="4979989" y="3848100"/>
+            <a:ext cx="2590800" cy="457200"/>
+          </a:xfrm>
+          <a:prstGeom prst="flowChartTerminator">
+            <a:avLst/>
+          </a:prstGeom>
+        </p:spPr>
+        <p:style>
+          <a:lnRef idx="3">
+            <a:schemeClr val="lt1"/>
+          </a:lnRef>
+          <a:fillRef idx="1">
+            <a:schemeClr val="accent5"/>
+          </a:fillRef>
+          <a:effectRef idx="1">
+            <a:schemeClr val="accent5"/>
+          </a:effectRef>
+          <a:fontRef idx="minor">
+            <a:schemeClr val="lt1"/>
+          </a:fontRef>
+        </p:style>
+        <p:txBody>
+          <a:bodyPr rtlCol="0" anchor="ctr"/>
+          <a:lstStyle/>
+          <a:p>
+            <a:pPr algn="ctr"/>
+            <a:endParaRPr lang="en-US" sz="1200" dirty="0" smtClean="0"/>
+          </a:p>
+          <a:p>
+            <a:pPr algn="ctr"/>
+            <a:r>
+              <a:rPr lang="en-US" sz="1200" dirty="0" smtClean="0"/>
+              <a:t>Set&lt;</a:t>
+            </a:r>
+            <a:r>
+              <a:rPr lang="en-US" sz="1200" dirty="0" err="1" smtClean="0"/>
+              <a:t>Interger</a:t>
+            </a:r>
+            <a:r>
+              <a:rPr lang="en-US" sz="1200" dirty="0" smtClean="0"/>
+              <a:t>&gt;</a:t>
+            </a:r>
+            <a:r>
+              <a:rPr lang="en-US" sz="1200" dirty="0"/>
+              <a:t>  </a:t>
+            </a:r>
+          </a:p>
+          <a:p>
+            <a:pPr algn="ctr"/>
+            <a:endParaRPr lang="en-US" sz="1200" dirty="0"/>
+          </a:p>
+        </p:txBody>
+      </p:sp>
+      <p:sp>
+        <p:nvSpPr>
+          <p:cNvPr id="20" name="Rectangle 19"/>
+          <p:cNvSpPr/>
+          <p:nvPr/>
+        </p:nvSpPr>
+        <p:spPr>
+          <a:xfrm>
+            <a:off x="3556150" y="904875"/>
+            <a:ext cx="2161874" cy="276999"/>
+          </a:xfrm>
+          <a:prstGeom prst="rect">
+            <a:avLst/>
+          </a:prstGeom>
+        </p:spPr>
+        <p:style>
+          <a:lnRef idx="1">
+            <a:schemeClr val="accent4"/>
+          </a:lnRef>
+          <a:fillRef idx="2">
+            <a:schemeClr val="accent4"/>
+          </a:fillRef>
+          <a:effectRef idx="1">
+            <a:schemeClr val="accent4"/>
+          </a:effectRef>
+          <a:fontRef idx="minor">
+            <a:schemeClr val="dk1"/>
+          </a:fontRef>
+        </p:style>
+        <p:txBody>
+          <a:bodyPr wrap="none">
+            <a:spAutoFit/>
+          </a:bodyPr>
+          <a:lstStyle/>
+          <a:p>
+            <a:r>
+              <a:rPr lang="en-US" sz="1200" b="1" dirty="0"/>
+              <a:t>Syntax</a:t>
+            </a:r>
+            <a:r>
+              <a:rPr lang="en-US" sz="1200" dirty="0"/>
+              <a:t> to use generic collection</a:t>
+            </a:r>
+            <a:endParaRPr lang="en-US" sz="1200" dirty="0"/>
+          </a:p>
+        </p:txBody>
+      </p:sp>
+      <p:sp>
+        <p:nvSpPr>
+          <p:cNvPr id="21" name="TextBox 20"/>
+          <p:cNvSpPr txBox="1"/>
+          <p:nvPr/>
+        </p:nvSpPr>
+        <p:spPr>
+          <a:xfrm>
+            <a:off x="4298068" y="1548884"/>
+            <a:ext cx="386644" cy="369332"/>
+          </a:xfrm>
+          <a:prstGeom prst="rect">
+            <a:avLst/>
+          </a:prstGeom>
+        </p:spPr>
+        <p:style>
+          <a:lnRef idx="1">
+            <a:schemeClr val="accent6"/>
+          </a:lnRef>
+          <a:fillRef idx="2">
+            <a:schemeClr val="accent6"/>
+          </a:fillRef>
+          <a:effectRef idx="1">
+            <a:schemeClr val="accent6"/>
+          </a:effectRef>
+          <a:fontRef idx="minor">
+            <a:schemeClr val="dk1"/>
+          </a:fontRef>
+        </p:style>
+        <p:txBody>
+          <a:bodyPr wrap="none" rtlCol="0">
+            <a:spAutoFit/>
+          </a:bodyPr>
+          <a:lstStyle/>
+          <a:p>
+            <a:r>
+              <a:rPr lang="en-US" dirty="0" smtClean="0"/>
+              <a:t>or</a:t>
+            </a:r>
+            <a:endParaRPr lang="en-US" dirty="0"/>
+          </a:p>
+        </p:txBody>
+      </p:sp>
+      <p:sp>
+        <p:nvSpPr>
+          <p:cNvPr id="25" name="Rectangle 24"/>
+          <p:cNvSpPr/>
+          <p:nvPr/>
+        </p:nvSpPr>
+        <p:spPr>
+          <a:xfrm>
+            <a:off x="3603775" y="3341727"/>
+            <a:ext cx="2163669" cy="276999"/>
+          </a:xfrm>
+          <a:prstGeom prst="rect">
+            <a:avLst/>
+          </a:prstGeom>
+        </p:spPr>
+        <p:style>
+          <a:lnRef idx="1">
+            <a:schemeClr val="accent4"/>
+          </a:lnRef>
+          <a:fillRef idx="2">
+            <a:schemeClr val="accent4"/>
+          </a:fillRef>
+          <a:effectRef idx="1">
+            <a:schemeClr val="accent4"/>
+          </a:effectRef>
+          <a:fontRef idx="minor">
+            <a:schemeClr val="dk1"/>
+          </a:fontRef>
+        </p:style>
+        <p:txBody>
+          <a:bodyPr wrap="none">
+            <a:spAutoFit/>
+          </a:bodyPr>
+          <a:lstStyle/>
+          <a:p>
+            <a:r>
+              <a:rPr lang="en-US" sz="1200" b="1" dirty="0"/>
+              <a:t>Example</a:t>
+            </a:r>
+            <a:r>
+              <a:rPr lang="en-US" sz="1200" dirty="0"/>
+              <a:t> to use Generics in java</a:t>
+            </a:r>
+            <a:endParaRPr lang="en-US" sz="1200" dirty="0"/>
+          </a:p>
+        </p:txBody>
+      </p:sp>
+    </p:spTree>
+    <p:extLst>
+      <p:ext uri="{BB962C8B-B14F-4D97-AF65-F5344CB8AC3E}">
+        <p14:creationId xmlns:p14="http://schemas.microsoft.com/office/powerpoint/2010/main" val="3069474829"/>
       </p:ext>
     </p:extLst>
   </p:cSld>
